--- a/깃 사용법 정리.pptx
+++ b/깃 사용법 정리.pptx
@@ -294,7 +294,7 @@
           <a:p>
             <a:fld id="{E27DF788-3F11-47AD-80F8-B3B0CF90481D}" type="datetimeFigureOut">
               <a:rPr lang="ko-KR" altLang="en-US" smtClean="0"/>
-              <a:t>2020-05-22</a:t>
+              <a:t>2020-05-23</a:t>
             </a:fld>
             <a:endParaRPr lang="ko-KR" altLang="en-US"/>
           </a:p>
@@ -492,7 +492,7 @@
           <a:p>
             <a:fld id="{E27DF788-3F11-47AD-80F8-B3B0CF90481D}" type="datetimeFigureOut">
               <a:rPr lang="ko-KR" altLang="en-US" smtClean="0"/>
-              <a:t>2020-05-22</a:t>
+              <a:t>2020-05-23</a:t>
             </a:fld>
             <a:endParaRPr lang="ko-KR" altLang="en-US"/>
           </a:p>
@@ -700,7 +700,7 @@
           <a:p>
             <a:fld id="{E27DF788-3F11-47AD-80F8-B3B0CF90481D}" type="datetimeFigureOut">
               <a:rPr lang="ko-KR" altLang="en-US" smtClean="0"/>
-              <a:t>2020-05-22</a:t>
+              <a:t>2020-05-23</a:t>
             </a:fld>
             <a:endParaRPr lang="ko-KR" altLang="en-US"/>
           </a:p>
@@ -898,7 +898,7 @@
           <a:p>
             <a:fld id="{E27DF788-3F11-47AD-80F8-B3B0CF90481D}" type="datetimeFigureOut">
               <a:rPr lang="ko-KR" altLang="en-US" smtClean="0"/>
-              <a:t>2020-05-22</a:t>
+              <a:t>2020-05-23</a:t>
             </a:fld>
             <a:endParaRPr lang="ko-KR" altLang="en-US"/>
           </a:p>
@@ -1173,7 +1173,7 @@
           <a:p>
             <a:fld id="{E27DF788-3F11-47AD-80F8-B3B0CF90481D}" type="datetimeFigureOut">
               <a:rPr lang="ko-KR" altLang="en-US" smtClean="0"/>
-              <a:t>2020-05-22</a:t>
+              <a:t>2020-05-23</a:t>
             </a:fld>
             <a:endParaRPr lang="ko-KR" altLang="en-US"/>
           </a:p>
@@ -1438,7 +1438,7 @@
           <a:p>
             <a:fld id="{E27DF788-3F11-47AD-80F8-B3B0CF90481D}" type="datetimeFigureOut">
               <a:rPr lang="ko-KR" altLang="en-US" smtClean="0"/>
-              <a:t>2020-05-22</a:t>
+              <a:t>2020-05-23</a:t>
             </a:fld>
             <a:endParaRPr lang="ko-KR" altLang="en-US"/>
           </a:p>
@@ -1850,7 +1850,7 @@
           <a:p>
             <a:fld id="{E27DF788-3F11-47AD-80F8-B3B0CF90481D}" type="datetimeFigureOut">
               <a:rPr lang="ko-KR" altLang="en-US" smtClean="0"/>
-              <a:t>2020-05-22</a:t>
+              <a:t>2020-05-23</a:t>
             </a:fld>
             <a:endParaRPr lang="ko-KR" altLang="en-US"/>
           </a:p>
@@ -1991,7 +1991,7 @@
           <a:p>
             <a:fld id="{E27DF788-3F11-47AD-80F8-B3B0CF90481D}" type="datetimeFigureOut">
               <a:rPr lang="ko-KR" altLang="en-US" smtClean="0"/>
-              <a:t>2020-05-22</a:t>
+              <a:t>2020-05-23</a:t>
             </a:fld>
             <a:endParaRPr lang="ko-KR" altLang="en-US"/>
           </a:p>
@@ -2104,7 +2104,7 @@
           <a:p>
             <a:fld id="{E27DF788-3F11-47AD-80F8-B3B0CF90481D}" type="datetimeFigureOut">
               <a:rPr lang="ko-KR" altLang="en-US" smtClean="0"/>
-              <a:t>2020-05-22</a:t>
+              <a:t>2020-05-23</a:t>
             </a:fld>
             <a:endParaRPr lang="ko-KR" altLang="en-US"/>
           </a:p>
@@ -2415,7 +2415,7 @@
           <a:p>
             <a:fld id="{E27DF788-3F11-47AD-80F8-B3B0CF90481D}" type="datetimeFigureOut">
               <a:rPr lang="ko-KR" altLang="en-US" smtClean="0"/>
-              <a:t>2020-05-22</a:t>
+              <a:t>2020-05-23</a:t>
             </a:fld>
             <a:endParaRPr lang="ko-KR" altLang="en-US"/>
           </a:p>
@@ -2703,7 +2703,7 @@
           <a:p>
             <a:fld id="{E27DF788-3F11-47AD-80F8-B3B0CF90481D}" type="datetimeFigureOut">
               <a:rPr lang="ko-KR" altLang="en-US" smtClean="0"/>
-              <a:t>2020-05-22</a:t>
+              <a:t>2020-05-23</a:t>
             </a:fld>
             <a:endParaRPr lang="ko-KR" altLang="en-US"/>
           </a:p>
@@ -2944,7 +2944,7 @@
           <a:p>
             <a:fld id="{E27DF788-3F11-47AD-80F8-B3B0CF90481D}" type="datetimeFigureOut">
               <a:rPr lang="ko-KR" altLang="en-US" smtClean="0"/>
-              <a:t>2020-05-22</a:t>
+              <a:t>2020-05-23</a:t>
             </a:fld>
             <a:endParaRPr lang="ko-KR" altLang="en-US"/>
           </a:p>
@@ -4162,8 +4162,8 @@
               <a:t> 둘 다 공통적으로 내 컴퓨터에 직접 아까 설정한 </a:t>
             </a:r>
             <a:r>
-              <a:rPr lang="en-US" altLang="ko-KR" sz="2000" dirty="0" err="1"/>
-              <a:t>remot</a:t>
+              <a:rPr lang="en-US" altLang="ko-KR" sz="2000" dirty="0"/>
+              <a:t>remote</a:t>
             </a:r>
             <a:r>
               <a:rPr lang="ko-KR" altLang="en-US" sz="2000" dirty="0"/>
@@ -6892,8 +6892,20 @@
               <a:buNone/>
             </a:pPr>
             <a:r>
-              <a:rPr lang="ko-KR" altLang="en-US" sz="2000" dirty="0"/>
-              <a:t>하지만 내 폴더에는 아무런 파일도 내려 받지 못했는데</a:t>
+              <a:rPr lang="en-US" altLang="ko-KR" sz="2000" dirty="0"/>
+              <a:t>Checkout</a:t>
+            </a:r>
+            <a:r>
+              <a:rPr lang="ko-KR" altLang="en-US" sz="2000" dirty="0"/>
+              <a:t>을 했을 때 작업하고자 원하는 </a:t>
+            </a:r>
+            <a:r>
+              <a:rPr lang="en-US" altLang="ko-KR" sz="2000" dirty="0"/>
+              <a:t>branch</a:t>
+            </a:r>
+            <a:r>
+              <a:rPr lang="ko-KR" altLang="en-US" sz="2000" dirty="0"/>
+              <a:t>로 이동하면서</a:t>
             </a:r>
             <a:r>
               <a:rPr lang="en-US" altLang="ko-KR" sz="2000" dirty="0"/>
@@ -6901,7 +6913,7 @@
             </a:r>
             <a:r>
               <a:rPr lang="ko-KR" altLang="en-US" sz="2000" dirty="0"/>
-              <a:t>이 때 체크아웃을 이용하면 원격에서 각 </a:t>
+              <a:t>해당 </a:t>
             </a:r>
             <a:r>
               <a:rPr lang="en-US" altLang="ko-KR" sz="2000" dirty="0"/>
@@ -6909,7 +6921,7 @@
             </a:r>
             <a:r>
               <a:rPr lang="ko-KR" altLang="en-US" sz="2000" dirty="0"/>
-              <a:t>의 정보들을 받아볼 수 있다</a:t>
+              <a:t>에 해당하는 작업파일들이 자동으로 업로드 된다</a:t>
             </a:r>
             <a:r>
               <a:rPr lang="en-US" altLang="ko-KR" sz="2000" dirty="0"/>
@@ -8143,7 +8155,7 @@
           <a:lstStyle/>
           <a:p>
             <a:r>
-              <a:rPr lang="ko-KR" altLang="en-US" dirty="0" err="1"/>
+              <a:rPr lang="ko-KR" altLang="en-US" dirty="0"/>
               <a:t>원격브랜치</a:t>
             </a:r>
             <a:endParaRPr lang="en-US" altLang="ko-KR" dirty="0"/>
@@ -8675,12 +8687,8 @@
               <a:t>*</a:t>
             </a:r>
             <a:r>
-              <a:rPr lang="ko-KR" altLang="en-US" sz="2000"/>
-              <a:t>그리고 막 써서 </a:t>
-            </a:r>
-            <a:r>
-              <a:rPr lang="ko-KR" altLang="en-US" sz="2000" dirty="0"/>
-              <a:t>불친절 할 수 있습니다</a:t>
+              <a:rPr lang="ko-KR" altLang="en-US" sz="2000" dirty="0"/>
+              <a:t>그리고 막 써서 불친절 할 수 있습니다</a:t>
             </a:r>
             <a:r>
               <a:rPr lang="en-US" altLang="ko-KR" sz="2000" dirty="0"/>
@@ -8876,15 +8884,7 @@
             </a:r>
             <a:r>
               <a:rPr lang="en-US" altLang="ko-KR" sz="2000" dirty="0"/>
-              <a:t>. &lt;Git </a:t>
-            </a:r>
-            <a:r>
-              <a:rPr lang="en-US" altLang="ko-KR" sz="2000" dirty="0" err="1"/>
-              <a:t>init</a:t>
-            </a:r>
-            <a:r>
-              <a:rPr lang="en-US" altLang="ko-KR" sz="2000" dirty="0"/>
-              <a:t>&gt; </a:t>
+              <a:t>. &lt;Git init&gt; </a:t>
             </a:r>
             <a:r>
               <a:rPr lang="ko-KR" altLang="en-US" sz="2000" dirty="0"/>
@@ -9243,16 +9243,16 @@
               <a:t>물론 </a:t>
             </a:r>
             <a:r>
-              <a:rPr lang="en-US" altLang="ko-KR" sz="2000" dirty="0" err="1"/>
-              <a:t>origi</a:t>
+              <a:rPr lang="en-US" altLang="ko-KR" sz="2000" dirty="0"/>
+              <a:t>origin</a:t>
             </a:r>
             <a:r>
               <a:rPr lang="ko-KR" altLang="en-US" sz="2000" dirty="0"/>
               <a:t>이라는 </a:t>
             </a:r>
             <a:r>
-              <a:rPr lang="en-US" altLang="ko-KR" sz="2000" dirty="0" err="1"/>
-              <a:t>remot</a:t>
+              <a:rPr lang="en-US" altLang="ko-KR" sz="2000" dirty="0"/>
+              <a:t>remote</a:t>
             </a:r>
             <a:r>
               <a:rPr lang="ko-KR" altLang="en-US" sz="2000" dirty="0"/>
@@ -10778,7 +10778,7 @@
             </a:pPr>
             <a:r>
               <a:rPr lang="ko-KR" altLang="en-US" sz="2000" dirty="0"/>
-              <a:t>지금까지 원격으로부터 받아오는 방법을 배웠다</a:t>
+              <a:t>지금까지 원격으로부터 파일을 받아오는 방법을 배웠다</a:t>
             </a:r>
             <a:r>
               <a:rPr lang="en-US" altLang="ko-KR" sz="2000" dirty="0"/>
@@ -12067,11 +12067,7 @@
             </a:r>
             <a:r>
               <a:rPr lang="ko-KR" altLang="en-US" sz="2000" dirty="0"/>
-              <a:t>귀찮다 </a:t>
-            </a:r>
-            <a:r>
-              <a:rPr lang="ko-KR" altLang="en-US" sz="2000" dirty="0" err="1"/>
-              <a:t>보다ㅋㅋ</a:t>
+              <a:t>귀찮다 보다ㅋㅋ</a:t>
             </a:r>
             <a:r>
               <a:rPr lang="en-US" altLang="ko-KR" sz="2000" dirty="0"/>
@@ -12296,8 +12292,8 @@
         </p:nvSpPr>
         <p:spPr>
           <a:xfrm>
-            <a:off x="7601287" y="5545328"/>
-            <a:ext cx="4362092" cy="1200329"/>
+            <a:off x="6552663" y="5576798"/>
+            <a:ext cx="4919616" cy="1200329"/>
           </a:xfrm>
           <a:prstGeom prst="rect">
             <a:avLst/>
@@ -12341,7 +12337,15 @@
             </a:r>
             <a:r>
               <a:rPr lang="ko-KR" altLang="en-US" dirty="0"/>
-              <a:t>을 실시하면 독립적인 </a:t>
+              <a:t>을 실시하면 </a:t>
+            </a:r>
+            <a:r>
+              <a:rPr lang="en-US" altLang="ko-KR" dirty="0"/>
+              <a:t>master</a:t>
+            </a:r>
+            <a:r>
+              <a:rPr lang="ko-KR" altLang="en-US" dirty="0"/>
+              <a:t>의 자식 </a:t>
             </a:r>
             <a:r>
               <a:rPr lang="en-US" altLang="ko-KR" dirty="0"/>
@@ -12995,7 +12999,7 @@
               <a:t>이럴 때 </a:t>
             </a:r>
             <a:r>
-              <a:rPr lang="en-US" altLang="ko-KR" sz="2000" dirty="0" err="1"/>
+              <a:rPr lang="en-US" altLang="ko-KR" sz="2000" dirty="0"/>
               <a:t>vscode</a:t>
             </a:r>
             <a:r>
@@ -13520,6 +13524,14 @@
               <a:rPr lang="en-US" altLang="ko-KR" sz="2000" dirty="0"/>
               <a:t>&gt;</a:t>
             </a:r>
+            <a:r>
+              <a:rPr lang="ko-KR" altLang="en-US" sz="2000" dirty="0"/>
+              <a:t>을 입력한 것과 같다</a:t>
+            </a:r>
+            <a:r>
+              <a:rPr lang="en-US" altLang="ko-KR" sz="2000" dirty="0"/>
+              <a:t>.</a:t>
+            </a:r>
           </a:p>
           <a:p>
             <a:pPr marL="0" indent="0">
@@ -13563,7 +13575,7 @@
             </a:r>
             <a:r>
               <a:rPr lang="ko-KR" altLang="en-US" sz="2000" dirty="0"/>
-              <a:t>명령어와 같은 동작이다</a:t>
+              <a:t>명령어와 같다고 할 수 있다</a:t>
             </a:r>
             <a:r>
               <a:rPr lang="en-US" altLang="ko-KR" sz="2000" dirty="0"/>
@@ -13949,7 +13961,7 @@
             </a:pPr>
             <a:r>
               <a:rPr lang="ko-KR" altLang="en-US" sz="2000" dirty="0" err="1"/>
-              <a:t>레포지토리를</a:t>
+              <a:t>리포지토리를</a:t>
             </a:r>
             <a:r>
               <a:rPr lang="ko-KR" altLang="en-US" sz="2000" dirty="0"/>
@@ -14313,7 +14325,7 @@
         </p:blipFill>
         <p:spPr>
           <a:xfrm>
-            <a:off x="7659041" y="2655301"/>
+            <a:off x="7935878" y="3183808"/>
             <a:ext cx="2939118" cy="3352800"/>
           </a:xfrm>
           <a:prstGeom prst="rect">
@@ -14342,7 +14354,7 @@
         </p:blipFill>
         <p:spPr>
           <a:xfrm>
-            <a:off x="4707564" y="2657925"/>
+            <a:off x="4984401" y="3186432"/>
             <a:ext cx="2939120" cy="3323825"/>
           </a:xfrm>
           <a:prstGeom prst="rect">
@@ -14403,7 +14415,12 @@
             <p:ph idx="1"/>
           </p:nvPr>
         </p:nvSpPr>
-        <p:spPr/>
+        <p:spPr>
+          <a:xfrm>
+            <a:off x="838200" y="1825625"/>
+            <a:ext cx="10515600" cy="4351338"/>
+          </a:xfrm>
+        </p:spPr>
         <p:txBody>
           <a:bodyPr>
             <a:normAutofit/>
@@ -14415,57 +14432,44 @@
             </a:pPr>
             <a:r>
               <a:rPr lang="ko-KR" altLang="en-US" sz="2000" dirty="0"/>
-              <a:t>이제 로컬의</a:t>
-            </a:r>
-            <a:r>
-              <a:rPr lang="en-US" altLang="ko-KR" sz="2000" dirty="0"/>
-              <a:t>new</a:t>
-            </a:r>
-            <a:r>
-              <a:rPr lang="ko-KR" altLang="en-US" sz="2000" dirty="0"/>
+              <a:t> 원하는 </a:t>
+            </a:r>
+            <a:r>
+              <a:rPr lang="en-US" altLang="ko-KR" sz="2000" dirty="0"/>
+              <a:t>branch</a:t>
+            </a:r>
+            <a:r>
+              <a:rPr lang="ko-KR" altLang="en-US" sz="2000" dirty="0"/>
+              <a:t>에서 작업을 한 뒤 이를 원격 저장소에 게시하기 위해선</a:t>
+            </a:r>
+            <a:r>
+              <a:rPr lang="en-US" altLang="ko-KR" sz="2000" dirty="0"/>
+              <a:t> (</a:t>
+            </a:r>
+            <a:r>
+              <a:rPr lang="ko-KR" altLang="en-US" sz="2000" dirty="0"/>
+              <a:t>파일수정</a:t>
+            </a:r>
+            <a:r>
+              <a:rPr lang="en-US" altLang="ko-KR" sz="2000" dirty="0"/>
+              <a:t>-&gt;add-&gt;commit-&gt;push)</a:t>
+            </a:r>
+            <a:r>
+              <a:rPr lang="ko-KR" altLang="en-US" sz="2000" dirty="0"/>
+              <a:t>의</a:t>
+            </a:r>
+            <a:r>
+              <a:rPr lang="en-US" altLang="ko-KR" sz="2000" dirty="0"/>
               <a:t> </a:t>
             </a:r>
             <a:r>
-              <a:rPr lang="en-US" altLang="ko-KR" sz="2000" dirty="0"/>
-              <a:t>branch</a:t>
-            </a:r>
-            <a:r>
-              <a:rPr lang="ko-KR" altLang="en-US" sz="2000" dirty="0"/>
-              <a:t>의</a:t>
-            </a:r>
-            <a:r>
-              <a:rPr lang="en-US" altLang="ko-KR" sz="2000" dirty="0"/>
-              <a:t> </a:t>
-            </a:r>
-            <a:r>
-              <a:rPr lang="ko-KR" altLang="en-US" sz="2000" dirty="0"/>
-              <a:t>내용을 수정하고</a:t>
-            </a:r>
-            <a:r>
-              <a:rPr lang="en-US" altLang="ko-KR" sz="2000" dirty="0"/>
-              <a:t>, add</a:t>
-            </a:r>
-            <a:r>
-              <a:rPr lang="ko-KR" altLang="en-US" sz="2000" dirty="0"/>
-              <a:t>한 뒤 이를 원격의</a:t>
-            </a:r>
-            <a:r>
-              <a:rPr lang="en-US" altLang="ko-KR" sz="2000" dirty="0"/>
-              <a:t>new</a:t>
-            </a:r>
-            <a:r>
-              <a:rPr lang="ko-KR" altLang="en-US" sz="2000" dirty="0"/>
-              <a:t> </a:t>
-            </a:r>
-            <a:r>
-              <a:rPr lang="en-US" altLang="ko-KR" sz="2000" dirty="0"/>
-              <a:t>branch</a:t>
-            </a:r>
-            <a:r>
-              <a:rPr lang="ko-KR" altLang="en-US" sz="2000" dirty="0"/>
-              <a:t>에</a:t>
-            </a:r>
-            <a:endParaRPr lang="en-US" altLang="ko-KR" sz="2000" dirty="0"/>
+              <a:rPr lang="ko-KR" altLang="en-US" sz="2000" dirty="0"/>
+              <a:t>과정을 거쳐야 한다</a:t>
+            </a:r>
+            <a:r>
+              <a:rPr lang="en-US" altLang="ko-KR" sz="2000" dirty="0"/>
+              <a:t>. </a:t>
+            </a:r>
           </a:p>
           <a:p>
             <a:pPr marL="0" indent="0">
@@ -14473,6 +14477,62 @@
             </a:pPr>
             <a:r>
               <a:rPr lang="en-US" altLang="ko-KR" sz="2000" dirty="0"/>
+              <a:t> </a:t>
+            </a:r>
+            <a:r>
+              <a:rPr lang="ko-KR" altLang="en-US" sz="2000" dirty="0"/>
+              <a:t>이제 로컬</a:t>
+            </a:r>
+            <a:r>
+              <a:rPr lang="en-US" altLang="ko-KR" sz="2000" dirty="0"/>
+              <a:t>new</a:t>
+            </a:r>
+            <a:r>
+              <a:rPr lang="ko-KR" altLang="en-US" sz="2000" dirty="0"/>
+              <a:t> </a:t>
+            </a:r>
+            <a:r>
+              <a:rPr lang="en-US" altLang="ko-KR" sz="2000" dirty="0"/>
+              <a:t>branch</a:t>
+            </a:r>
+            <a:r>
+              <a:rPr lang="ko-KR" altLang="en-US" sz="2000" dirty="0"/>
+              <a:t>의</a:t>
+            </a:r>
+            <a:r>
+              <a:rPr lang="en-US" altLang="ko-KR" sz="2000" dirty="0"/>
+              <a:t> </a:t>
+            </a:r>
+            <a:r>
+              <a:rPr lang="ko-KR" altLang="en-US" sz="2000" dirty="0"/>
+              <a:t>내용을 수정하고</a:t>
+            </a:r>
+            <a:r>
+              <a:rPr lang="en-US" altLang="ko-KR" sz="2000" dirty="0"/>
+              <a:t>, add</a:t>
+            </a:r>
+            <a:r>
+              <a:rPr lang="ko-KR" altLang="en-US" sz="2000" dirty="0"/>
+              <a:t>한 뒤 이를 원격에 있는</a:t>
+            </a:r>
+            <a:r>
+              <a:rPr lang="en-US" altLang="ko-KR" sz="2000" dirty="0"/>
+              <a:t>new</a:t>
+            </a:r>
+            <a:r>
+              <a:rPr lang="ko-KR" altLang="en-US" sz="2000" dirty="0"/>
+              <a:t> </a:t>
+            </a:r>
+            <a:r>
+              <a:rPr lang="en-US" altLang="ko-KR" sz="2000" dirty="0"/>
+              <a:t>branch</a:t>
+            </a:r>
+            <a:r>
+              <a:rPr lang="ko-KR" altLang="en-US" sz="2000" dirty="0"/>
+              <a:t>에 </a:t>
+            </a:r>
+            <a:r>
+              <a:rPr lang="en-US" altLang="ko-KR" sz="2000" dirty="0"/>
               <a:t>Commit</a:t>
             </a:r>
             <a:r>
@@ -14509,7 +14569,7 @@
         </p:nvSpPr>
         <p:spPr>
           <a:xfrm>
-            <a:off x="4532960" y="5662574"/>
+            <a:off x="4809797" y="6191081"/>
             <a:ext cx="975835" cy="496933"/>
           </a:xfrm>
           <a:prstGeom prst="ellipse">
@@ -14565,8 +14625,8 @@
         </p:nvCxnSpPr>
         <p:spPr>
           <a:xfrm flipH="1" flipV="1">
-            <a:off x="4317072" y="4691872"/>
-            <a:ext cx="215888" cy="1219169"/>
+            <a:off x="4513100" y="4191071"/>
+            <a:ext cx="296697" cy="2248477"/>
           </a:xfrm>
           <a:prstGeom prst="line">
             <a:avLst/>
@@ -14601,7 +14661,7 @@
         </p:nvSpPr>
         <p:spPr>
           <a:xfrm>
-            <a:off x="8488585" y="4484832"/>
+            <a:off x="8765422" y="5013339"/>
             <a:ext cx="1428655" cy="337367"/>
           </a:xfrm>
           <a:prstGeom prst="ellipse">
@@ -14651,13 +14711,14 @@
           <p:cNvCxnSpPr>
             <a:cxnSpLocks/>
             <a:stCxn id="21" idx="3"/>
+            <a:endCxn id="10" idx="2"/>
           </p:cNvCxnSpPr>
           <p:nvPr/>
         </p:nvCxnSpPr>
         <p:spPr>
           <a:xfrm>
-            <a:off x="4242442" y="3331617"/>
-            <a:ext cx="4231896" cy="1321898"/>
+            <a:off x="3275247" y="5027541"/>
+            <a:ext cx="5490175" cy="154482"/>
           </a:xfrm>
           <a:prstGeom prst="line">
             <a:avLst/>
@@ -14692,7 +14753,7 @@
         </p:nvSpPr>
         <p:spPr>
           <a:xfrm>
-            <a:off x="1303322" y="3008451"/>
+            <a:off x="336127" y="4704375"/>
             <a:ext cx="2939120" cy="646331"/>
           </a:xfrm>
           <a:prstGeom prst="rect">
@@ -14743,7 +14804,7 @@
         </p:nvSpPr>
         <p:spPr>
           <a:xfrm>
-            <a:off x="120217" y="4507206"/>
+            <a:off x="316245" y="4006405"/>
             <a:ext cx="4196855" cy="369332"/>
           </a:xfrm>
           <a:prstGeom prst="rect">
@@ -14944,7 +15005,7 @@
               <a:t>이해하기 힘들지만 </a:t>
             </a:r>
             <a:r>
-              <a:rPr lang="en-US" altLang="ko-KR" sz="2000" dirty="0" err="1"/>
+              <a:rPr lang="en-US" altLang="ko-KR" sz="2000" dirty="0"/>
               <a:t>vscode</a:t>
             </a:r>
             <a:r>
@@ -15044,9 +15105,9 @@
           <p:nvPr/>
         </p:nvCxnSpPr>
         <p:spPr>
-          <a:xfrm flipH="1">
-            <a:off x="4409508" y="4491839"/>
-            <a:ext cx="1235562" cy="253436"/>
+          <a:xfrm flipH="1" flipV="1">
+            <a:off x="3514019" y="3388782"/>
+            <a:ext cx="2131051" cy="1103057"/>
           </a:xfrm>
           <a:prstGeom prst="line">
             <a:avLst/>
@@ -15081,7 +15142,7 @@
         </p:nvSpPr>
         <p:spPr>
           <a:xfrm>
-            <a:off x="1738584" y="4560609"/>
+            <a:off x="843095" y="3204116"/>
             <a:ext cx="2670924" cy="369332"/>
           </a:xfrm>
           <a:prstGeom prst="rect">
@@ -15176,9 +15237,9 @@
           <p:nvPr/>
         </p:nvCxnSpPr>
         <p:spPr>
-          <a:xfrm flipH="1" flipV="1">
-            <a:off x="4231575" y="3711948"/>
-            <a:ext cx="2424340" cy="526455"/>
+          <a:xfrm flipH="1">
+            <a:off x="4810282" y="4238403"/>
+            <a:ext cx="1845633" cy="574667"/>
           </a:xfrm>
           <a:prstGeom prst="line">
             <a:avLst/>
@@ -15213,7 +15274,7 @@
         </p:nvSpPr>
         <p:spPr>
           <a:xfrm>
-            <a:off x="259493" y="3388782"/>
+            <a:off x="838200" y="4489904"/>
             <a:ext cx="3972082" cy="646331"/>
           </a:xfrm>
           <a:prstGeom prst="rect">
@@ -15588,7 +15649,7 @@
               <a:t>&lt;git add </a:t>
             </a:r>
             <a:r>
-              <a:rPr lang="ko-KR" altLang="en-US" dirty="0" err="1"/>
+              <a:rPr lang="ko-KR" altLang="en-US" dirty="0"/>
               <a:t>수정된파일이름</a:t>
             </a:r>
             <a:r>
@@ -16916,11 +16977,19 @@
             </a:r>
             <a:r>
               <a:rPr lang="ko-KR" altLang="en-US" sz="2000" dirty="0"/>
-              <a:t>커밋 된 내용들을 원격 저장소와 합치게 된다</a:t>
-            </a:r>
-            <a:r>
-              <a:rPr lang="en-US" altLang="ko-KR" sz="2000" dirty="0"/>
-              <a:t>.</a:t>
+              <a:t>커밋 된 내용들을 원격 저장소에</a:t>
+            </a:r>
+            <a:r>
+              <a:rPr lang="en-US" altLang="ko-KR" sz="2000" dirty="0"/>
+              <a:t> </a:t>
+            </a:r>
+            <a:r>
+              <a:rPr lang="ko-KR" altLang="en-US" sz="2000" dirty="0"/>
+              <a:t>직접 반영하게 된다</a:t>
+            </a:r>
+            <a:r>
+              <a:rPr lang="en-US" altLang="ko-KR" sz="2000" dirty="0"/>
+              <a:t>. </a:t>
             </a:r>
             <a:endParaRPr lang="ko-KR" altLang="en-US" sz="2000" dirty="0"/>
           </a:p>
@@ -17131,8 +17200,8 @@
         </p:nvCxnSpPr>
         <p:spPr>
           <a:xfrm flipH="1" flipV="1">
-            <a:off x="4305302" y="3213932"/>
-            <a:ext cx="2638236" cy="307604"/>
+            <a:off x="4305302" y="3352431"/>
+            <a:ext cx="2638236" cy="169105"/>
           </a:xfrm>
           <a:prstGeom prst="line">
             <a:avLst/>
@@ -17168,7 +17237,7 @@
         <p:spPr>
           <a:xfrm>
             <a:off x="432487" y="2475268"/>
-            <a:ext cx="3872815" cy="1477328"/>
+            <a:ext cx="3872815" cy="1754326"/>
           </a:xfrm>
           <a:prstGeom prst="rect">
             <a:avLst/>
@@ -17206,6 +17275,28 @@
             <a:r>
               <a:rPr lang="en-US" altLang="ko-KR" dirty="0"/>
               <a:t>.</a:t>
+            </a:r>
+          </a:p>
+          <a:p>
+            <a:r>
+              <a:rPr lang="en-US" altLang="ko-KR" dirty="0"/>
+              <a:t>&lt;git</a:t>
+            </a:r>
+            <a:r>
+              <a:rPr lang="ko-KR" altLang="en-US" dirty="0"/>
+              <a:t> </a:t>
+            </a:r>
+            <a:r>
+              <a:rPr lang="en-US" altLang="ko-KR" dirty="0"/>
+              <a:t>push</a:t>
+            </a:r>
+            <a:r>
+              <a:rPr lang="ko-KR" altLang="en-US" dirty="0"/>
+              <a:t> 원격이름 로컬</a:t>
+            </a:r>
+            <a:r>
+              <a:rPr lang="en-US" altLang="ko-KR" dirty="0"/>
+              <a:t>branch&gt;</a:t>
             </a:r>
           </a:p>
           <a:p>
@@ -17807,15 +17898,7 @@
             </a:pPr>
             <a:r>
               <a:rPr lang="ko-KR" altLang="en-US" sz="2000" dirty="0"/>
-              <a:t>깃헙 </a:t>
-            </a:r>
-            <a:r>
-              <a:rPr lang="ko-KR" altLang="en-US" sz="2000" dirty="0" err="1"/>
-              <a:t>레포지토리에</a:t>
-            </a:r>
-            <a:r>
-              <a:rPr lang="ko-KR" altLang="en-US" sz="2000" dirty="0"/>
-              <a:t> 연결할 폴더를 지정한다</a:t>
+              <a:t>깃헙 리포지토리에 연결할 폴더를 지정한다</a:t>
             </a:r>
             <a:r>
               <a:rPr lang="en-US" altLang="ko-KR" sz="2000" dirty="0"/>
@@ -17823,15 +17906,7 @@
             </a:r>
             <a:r>
               <a:rPr lang="ko-KR" altLang="en-US" sz="2000" dirty="0"/>
-              <a:t>저 폴더들 사이의 빈공간에서 </a:t>
-            </a:r>
-            <a:r>
-              <a:rPr lang="ko-KR" altLang="en-US" sz="2000" dirty="0" err="1"/>
-              <a:t>우클릭을</a:t>
-            </a:r>
-            <a:r>
-              <a:rPr lang="ko-KR" altLang="en-US" sz="2000" dirty="0"/>
-              <a:t> 하면</a:t>
+              <a:t>저 폴더들 사이의 빈공간에서 우클릭을 하면</a:t>
             </a:r>
             <a:endParaRPr lang="en-US" altLang="ko-KR" sz="2000" dirty="0"/>
           </a:p>
@@ -18433,15 +18508,7 @@
             </a:r>
             <a:r>
               <a:rPr lang="ko-KR" altLang="en-US" sz="2000" dirty="0"/>
-              <a:t>까지 치면 나오는 </a:t>
-            </a:r>
-            <a:r>
-              <a:rPr lang="ko-KR" altLang="en-US" sz="2000" dirty="0" err="1"/>
-              <a:t>리포지토리</a:t>
-            </a:r>
-            <a:r>
-              <a:rPr lang="ko-KR" altLang="en-US" sz="2000" dirty="0"/>
-              <a:t> 초기화를 눌러보자</a:t>
+              <a:t>까지 치면 나오는 리포지토리 초기화를 눌러보자</a:t>
             </a:r>
             <a:r>
               <a:rPr lang="en-US" altLang="ko-KR" sz="2000" dirty="0"/>
@@ -19047,11 +19114,7 @@
             </a:r>
             <a:r>
               <a:rPr lang="en-US" altLang="ko-KR" sz="2000" dirty="0"/>
-              <a:t>(git </a:t>
-            </a:r>
-            <a:r>
-              <a:rPr lang="en-US" altLang="ko-KR" sz="2000" dirty="0" err="1"/>
-              <a:t>init</a:t>
+              <a:t>(&lt;git init&gt;</a:t>
             </a:r>
             <a:r>
               <a:rPr lang="ko-KR" altLang="en-US" sz="2000" dirty="0"/>
@@ -19409,15 +19472,7 @@
             </a:r>
             <a:r>
               <a:rPr lang="en-US" altLang="ko-KR" sz="2000" dirty="0"/>
-              <a:t>. (&lt;git </a:t>
-            </a:r>
-            <a:r>
-              <a:rPr lang="en-US" altLang="ko-KR" sz="2000" dirty="0" err="1"/>
-              <a:t>init</a:t>
-            </a:r>
-            <a:r>
-              <a:rPr lang="en-US" altLang="ko-KR" sz="2000" dirty="0"/>
-              <a:t>&gt;</a:t>
+              <a:t>. (&lt;git init&gt;</a:t>
             </a:r>
             <a:r>
               <a:rPr lang="ko-KR" altLang="en-US" sz="2000" dirty="0"/>
